--- a/Milestones/M2 eerste PPT/M2.pptx
+++ b/Milestones/M2 eerste PPT/M2.pptx
@@ -822,7 +822,7 @@
           <a:lstStyle/>
           <a:p>
             <a:pPr>
-              <a:defRPr sz="1400" b="1" i="0" u="none" strike="noStrike" kern="1200" baseline="0">
+              <a:defRPr sz="1800" b="1" i="0" u="none" strike="noStrike" kern="1200" baseline="0">
                 <a:solidFill>
                   <a:schemeClr val="tx1">
                     <a:lumMod val="65000"/>
@@ -989,7 +989,7 @@
         <a:lstStyle/>
         <a:p>
           <a:pPr>
-            <a:defRPr sz="1400" b="1" i="0" u="none" strike="noStrike" kern="1200" baseline="0">
+            <a:defRPr sz="1600" b="1" i="0" u="none" strike="noStrike" kern="1200" baseline="0">
               <a:solidFill>
                 <a:schemeClr val="tx1">
                   <a:lumMod val="65000"/>
@@ -1677,7 +1677,7 @@
           <a:p>
             <a:fld id="{8F591CCF-F6FD-734B-854A-5BC033593B1E}" type="datetimeFigureOut">
               <a:rPr lang="nl-NL" smtClean="0"/>
-              <a:t>3-11-2022</a:t>
+              <a:t>4-11-2022</a:t>
             </a:fld>
             <a:endParaRPr lang="nl-NL"/>
           </a:p>
@@ -1842,7 +1842,7 @@
           <a:p>
             <a:fld id="{23C66214-DB21-4647-B5DA-0D17CA592867}" type="datetimeFigureOut">
               <a:rPr lang="nl-NL" smtClean="0"/>
-              <a:t>3-11-2022</a:t>
+              <a:t>4-11-2022</a:t>
             </a:fld>
             <a:endParaRPr lang="nl-NL"/>
           </a:p>
@@ -3274,15 +3274,7 @@
             </a:r>
             <a:r>
               <a:rPr lang="nl-BE" noProof="0" dirty="0"/>
-              <a:t> </a:t>
-            </a:r>
-            <a:r>
-              <a:rPr lang="nl-BE" noProof="0"/>
-              <a:t>+ tools </a:t>
-            </a:r>
-            <a:r>
-              <a:rPr lang="nl-BE" noProof="0" dirty="0"/>
-              <a:t>| </a:t>
+              <a:t> + tools | </a:t>
             </a:r>
             <a:r>
               <a:rPr lang="nl-BE" noProof="0" dirty="0" err="1"/>
@@ -4268,7 +4260,7 @@
           <a:p>
             <a:fld id="{A6AC6004-332E-443B-AEE9-F68B98D86626}" type="datetime1">
               <a:rPr lang="nl-BE" smtClean="0"/>
-              <a:t>3/11/2022</a:t>
+              <a:t>4/11/2022</a:t>
             </a:fld>
             <a:endParaRPr lang="nl-NL"/>
           </a:p>
@@ -4551,7 +4543,7 @@
           <a:p>
             <a:fld id="{18BB5DFC-17D3-47A0-B171-B4E4D1575E7B}" type="datetime1">
               <a:rPr lang="nl-BE" smtClean="0"/>
-              <a:t>3/11/2022</a:t>
+              <a:t>4/11/2022</a:t>
             </a:fld>
             <a:endParaRPr lang="nl-NL"/>
           </a:p>
@@ -4881,7 +4873,7 @@
           <a:p>
             <a:fld id="{DFE966B0-6D13-414C-BF72-6FF6C60AEC98}" type="datetime1">
               <a:rPr lang="nl-BE" smtClean="0"/>
-              <a:t>3/11/2022</a:t>
+              <a:t>4/11/2022</a:t>
             </a:fld>
             <a:endParaRPr lang="nl-NL"/>
           </a:p>
@@ -5201,7 +5193,7 @@
           <a:p>
             <a:fld id="{C812C44A-F540-4B98-810B-5F6EB90D9C13}" type="datetime1">
               <a:rPr lang="nl-BE" smtClean="0"/>
-              <a:t>3/11/2022</a:t>
+              <a:t>4/11/2022</a:t>
             </a:fld>
             <a:endParaRPr lang="nl-NL" dirty="0"/>
           </a:p>
@@ -5522,7 +5514,7 @@
           <a:p>
             <a:fld id="{8363B599-027A-42E4-AF08-DCDA683C2C05}" type="datetime1">
               <a:rPr lang="nl-BE" smtClean="0"/>
-              <a:t>3/11/2022</a:t>
+              <a:t>4/11/2022</a:t>
             </a:fld>
             <a:endParaRPr lang="nl-NL" dirty="0"/>
           </a:p>
@@ -5664,7 +5656,7 @@
           <a:p>
             <a:fld id="{896510B4-3146-4BB8-B92E-62730CD81C72}" type="datetime1">
               <a:rPr lang="nl-BE" smtClean="0"/>
-              <a:t>3/11/2022</a:t>
+              <a:t>4/11/2022</a:t>
             </a:fld>
             <a:endParaRPr lang="nl-NL"/>
           </a:p>
@@ -6148,7 +6140,7 @@
           <a:p>
             <a:fld id="{9D02B56F-A388-429F-978E-7B79C73B0741}" type="datetime1">
               <a:rPr lang="nl-BE" smtClean="0"/>
-              <a:t>3/11/2022</a:t>
+              <a:t>4/11/2022</a:t>
             </a:fld>
             <a:endParaRPr lang="nl-NL" dirty="0"/>
           </a:p>
@@ -6269,7 +6261,7 @@
           <a:p>
             <a:fld id="{CFC1976B-B1C6-4CE3-88E7-0F7B3C0EB754}" type="datetime1">
               <a:rPr lang="nl-BE" smtClean="0"/>
-              <a:t>3/11/2022</a:t>
+              <a:t>4/11/2022</a:t>
             </a:fld>
             <a:endParaRPr lang="nl-NL"/>
           </a:p>
@@ -6390,7 +6382,7 @@
           <a:p>
             <a:fld id="{9D9EDC0B-32E5-488B-8BC1-103B52D9F530}" type="datetime1">
               <a:rPr lang="nl-BE" smtClean="0"/>
-              <a:t>3/11/2022</a:t>
+              <a:t>4/11/2022</a:t>
             </a:fld>
             <a:endParaRPr lang="nl-NL"/>
           </a:p>
@@ -6572,7 +6564,7 @@
           <a:p>
             <a:fld id="{47FF4611-E6C1-4123-99C9-582B0DC5EFCF}" type="datetime1">
               <a:rPr lang="nl-BE" smtClean="0"/>
-              <a:t>3/11/2022</a:t>
+              <a:t>4/11/2022</a:t>
             </a:fld>
             <a:endParaRPr lang="nl-NL" dirty="0"/>
           </a:p>
@@ -6856,7 +6848,7 @@
           <a:p>
             <a:fld id="{7E5B4B50-A2A3-4C24-AE79-A292DD23C44A}" type="datetime1">
               <a:rPr lang="nl-BE" smtClean="0"/>
-              <a:t>3/11/2022</a:t>
+              <a:t>4/11/2022</a:t>
             </a:fld>
             <a:endParaRPr lang="nl-NL" dirty="0"/>
           </a:p>
@@ -7497,7 +7489,7 @@
           <a:p>
             <a:fld id="{560602C3-E89F-44D5-8AA8-1213C1FA739E}" type="datetime1">
               <a:rPr lang="nl-BE" smtClean="0"/>
-              <a:t>3/11/2022</a:t>
+              <a:t>4/11/2022</a:t>
             </a:fld>
             <a:endParaRPr lang="nl-NL" dirty="0"/>
           </a:p>
@@ -9043,14 +9035,14 @@
           <p:nvPr>
             <p:extLst>
               <p:ext uri="{D42A27DB-BD31-4B8C-83A1-F6EECF244321}">
-                <p14:modId xmlns:p14="http://schemas.microsoft.com/office/powerpoint/2010/main" val="3465661937"/>
+                <p14:modId xmlns:p14="http://schemas.microsoft.com/office/powerpoint/2010/main" val="2319454697"/>
               </p:ext>
             </p:extLst>
           </p:nvPr>
         </p:nvGraphicFramePr>
         <p:xfrm>
-          <a:off x="455336" y="1566000"/>
-          <a:ext cx="11160664" cy="4554000"/>
+          <a:off x="456536" y="1262584"/>
+          <a:ext cx="11160664" cy="4875141"/>
         </p:xfrm>
         <a:graphic>
           <a:graphicData uri="http://schemas.openxmlformats.org/drawingml/2006/chart">
@@ -9074,13 +9066,18 @@
             <p:ph type="ftr" sz="quarter" idx="11"/>
           </p:nvPr>
         </p:nvSpPr>
-        <p:spPr/>
+        <p:spPr>
+          <a:xfrm>
+            <a:off x="6034800" y="6202420"/>
+            <a:ext cx="4993200" cy="648000"/>
+          </a:xfrm>
+        </p:spPr>
         <p:txBody>
           <a:bodyPr/>
           <a:lstStyle/>
           <a:p>
             <a:r>
-              <a:rPr lang="nl-NL"/>
+              <a:rPr lang="nl-NL" dirty="0"/>
               <a:t>Faculteit Ingenieurswetenschappen, DTAI</a:t>
             </a:r>
           </a:p>
@@ -9102,7 +9099,12 @@
             <p:ph type="sldNum" sz="quarter" idx="12"/>
           </p:nvPr>
         </p:nvSpPr>
-        <p:spPr/>
+        <p:spPr>
+          <a:xfrm>
+            <a:off x="577200" y="5906585"/>
+            <a:ext cx="648000" cy="648000"/>
+          </a:xfrm>
+        </p:spPr>
         <p:txBody>
           <a:bodyPr/>
           <a:lstStyle/>
@@ -9158,7 +9160,7 @@
         </p:nvSpPr>
         <p:spPr>
           <a:xfrm>
-            <a:off x="1868556" y="4270786"/>
+            <a:off x="1869756" y="4138038"/>
             <a:ext cx="3250095" cy="1041092"/>
           </a:xfrm>
           <a:prstGeom prst="rect">
@@ -9205,7 +9207,7 @@
         </p:nvSpPr>
         <p:spPr>
           <a:xfrm>
-            <a:off x="1868555" y="3901454"/>
+            <a:off x="1869755" y="3689622"/>
             <a:ext cx="3250095" cy="369332"/>
           </a:xfrm>
           <a:prstGeom prst="rect">
@@ -9242,7 +9244,7 @@
         </p:nvSpPr>
         <p:spPr>
           <a:xfrm>
-            <a:off x="5078895" y="3287128"/>
+            <a:off x="5080095" y="2983713"/>
             <a:ext cx="3409122" cy="1242391"/>
           </a:xfrm>
           <a:prstGeom prst="rect">
@@ -9289,7 +9291,7 @@
         </p:nvSpPr>
         <p:spPr>
           <a:xfrm>
-            <a:off x="5078895" y="2917796"/>
+            <a:off x="5080095" y="2614381"/>
             <a:ext cx="3409122" cy="369332"/>
           </a:xfrm>
           <a:prstGeom prst="rect">
@@ -9325,7 +9327,7 @@
         </p:nvSpPr>
         <p:spPr>
           <a:xfrm>
-            <a:off x="8388626" y="2562452"/>
+            <a:off x="8389826" y="2259037"/>
             <a:ext cx="2396299" cy="866548"/>
           </a:xfrm>
           <a:prstGeom prst="rect">
@@ -9372,7 +9374,7 @@
         </p:nvSpPr>
         <p:spPr>
           <a:xfrm>
-            <a:off x="8388626" y="2193120"/>
+            <a:off x="8389826" y="1889705"/>
             <a:ext cx="2638174" cy="369332"/>
           </a:xfrm>
           <a:prstGeom prst="rect">
@@ -9410,7 +9412,7 @@
         </p:nvCxnSpPr>
         <p:spPr>
           <a:xfrm flipV="1">
-            <a:off x="5659871" y="4044376"/>
+            <a:off x="5661071" y="3740961"/>
             <a:ext cx="0" cy="452819"/>
           </a:xfrm>
           <a:prstGeom prst="line">
@@ -9448,7 +9450,7 @@
         </p:nvCxnSpPr>
         <p:spPr>
           <a:xfrm flipV="1">
-            <a:off x="6722165" y="3700155"/>
+            <a:off x="6723365" y="3396740"/>
             <a:ext cx="0" cy="570631"/>
           </a:xfrm>
           <a:prstGeom prst="line">
@@ -9486,7 +9488,7 @@
         </p:nvCxnSpPr>
         <p:spPr>
           <a:xfrm flipV="1">
-            <a:off x="7103165" y="3514518"/>
+            <a:off x="7104365" y="3211103"/>
             <a:ext cx="0" cy="570631"/>
           </a:xfrm>
           <a:prstGeom prst="line">
@@ -9522,7 +9524,7 @@
         </p:nvSpPr>
         <p:spPr>
           <a:xfrm rot="10800000">
-            <a:off x="7197098" y="4961999"/>
+            <a:off x="7072151" y="4931669"/>
             <a:ext cx="591437" cy="369332"/>
           </a:xfrm>
           <a:prstGeom prst="rect">
@@ -9561,7 +9563,7 @@
         </p:nvCxnSpPr>
         <p:spPr>
           <a:xfrm flipV="1">
-            <a:off x="9461648" y="2716497"/>
+            <a:off x="9462848" y="2413082"/>
             <a:ext cx="0" cy="570631"/>
           </a:xfrm>
           <a:prstGeom prst="line">
